--- a/prinstat_proj_pres_volledig.pptx
+++ b/prinstat_proj_pres_volledig.pptx
@@ -10,9 +10,9 @@
   <p:sldIdLst>
     <p:sldId id="256" r:id="rId2"/>
     <p:sldId id="265" r:id="rId3"/>
-    <p:sldId id="274" r:id="rId4"/>
-    <p:sldId id="280" r:id="rId5"/>
-    <p:sldId id="272" r:id="rId6"/>
+    <p:sldId id="281" r:id="rId4"/>
+    <p:sldId id="282" r:id="rId5"/>
+    <p:sldId id="283" r:id="rId6"/>
     <p:sldId id="275" r:id="rId7"/>
     <p:sldId id="276" r:id="rId8"/>
     <p:sldId id="277" r:id="rId9"/>
@@ -535,7 +535,7 @@
             </a:pPr>
             <a:r>
               <a:rPr lang="en-US" dirty="0"/>
-              <a:t>Suspicious value: DBP measure of 66</a:t>
+              <a:t>Suspicious value: DBP measure of 66 (treatment 3)</a:t>
             </a:r>
           </a:p>
           <a:p>
@@ -645,34 +645,6 @@
           <a:p>
             <a:r>
               <a:rPr lang="nl-BE" dirty="0"/>
-              <a:t>Intro slide: beginnen met uitleg methodologie</a:t>
-            </a:r>
-            <a:r>
-              <a:rPr lang="nl-BE" baseline="0" dirty="0"/>
-              <a:t> – rest slides gaat hierop verder. </a:t>
-            </a:r>
-            <a:endParaRPr lang="nl-BE" dirty="0"/>
-          </a:p>
-          <a:p>
-            <a:r>
-              <a:rPr lang="nl-BE" dirty="0"/>
-              <a:t>Question 1 </a:t>
-            </a:r>
-            <a:r>
-              <a:rPr lang="nl-BE" dirty="0" err="1"/>
-              <a:t>and</a:t>
-            </a:r>
-            <a:r>
-              <a:rPr lang="nl-BE" dirty="0"/>
-              <a:t> 2</a:t>
-            </a:r>
-          </a:p>
-          <a:p>
-            <a:endParaRPr lang="nl-BE" dirty="0"/>
-          </a:p>
-          <a:p>
-            <a:r>
-              <a:rPr lang="nl-BE" dirty="0"/>
               <a:t>IMP: </a:t>
             </a:r>
             <a:r>
@@ -690,6 +662,100 @@
             <a:r>
               <a:rPr lang="nl-BE" dirty="0"/>
               <a:t> product</a:t>
+            </a:r>
+          </a:p>
+          <a:p>
+            <a:r>
+              <a:rPr lang="nl-BE" dirty="0"/>
+              <a:t>DBP </a:t>
+            </a:r>
+            <a:r>
+              <a:rPr lang="nl-BE" dirty="0" err="1"/>
+              <a:t>difference</a:t>
+            </a:r>
+            <a:r>
+              <a:rPr lang="nl-BE" dirty="0"/>
+              <a:t>: </a:t>
+            </a:r>
+            <a:r>
+              <a:rPr lang="nl-BE" dirty="0" err="1"/>
+              <a:t>not</a:t>
+            </a:r>
+            <a:r>
+              <a:rPr lang="nl-BE" dirty="0"/>
+              <a:t> </a:t>
+            </a:r>
+            <a:r>
+              <a:rPr lang="nl-BE" dirty="0" err="1"/>
+              <a:t>normaly</a:t>
+            </a:r>
+            <a:r>
+              <a:rPr lang="nl-BE" dirty="0"/>
+              <a:t> </a:t>
+            </a:r>
+            <a:r>
+              <a:rPr lang="nl-BE" dirty="0" err="1"/>
+              <a:t>distributed</a:t>
+            </a:r>
+            <a:r>
+              <a:rPr lang="nl-BE" dirty="0"/>
+              <a:t> </a:t>
+            </a:r>
+            <a:r>
+              <a:rPr lang="nl-BE" dirty="0" err="1"/>
+              <a:t>for</a:t>
+            </a:r>
+            <a:r>
+              <a:rPr lang="nl-BE" dirty="0"/>
+              <a:t> </a:t>
+            </a:r>
+            <a:r>
+              <a:rPr lang="nl-BE" dirty="0" err="1"/>
+              <a:t>the</a:t>
+            </a:r>
+            <a:r>
+              <a:rPr lang="nl-BE" dirty="0"/>
+              <a:t> </a:t>
+            </a:r>
+            <a:r>
+              <a:rPr lang="nl-BE" dirty="0" err="1"/>
+              <a:t>entire</a:t>
+            </a:r>
+            <a:r>
+              <a:rPr lang="nl-BE" dirty="0"/>
+              <a:t> </a:t>
+            </a:r>
+            <a:r>
+              <a:rPr lang="nl-BE" dirty="0" err="1"/>
+              <a:t>population</a:t>
+            </a:r>
+            <a:r>
+              <a:rPr lang="nl-BE" dirty="0"/>
+              <a:t> but </a:t>
+            </a:r>
+            <a:r>
+              <a:rPr lang="nl-BE" dirty="0" err="1"/>
+              <a:t>by</a:t>
+            </a:r>
+            <a:r>
+              <a:rPr lang="nl-BE" dirty="0"/>
+              <a:t> treatment </a:t>
+            </a:r>
+            <a:r>
+              <a:rPr lang="nl-BE" dirty="0" err="1"/>
+              <a:t>group</a:t>
+            </a:r>
+            <a:r>
+              <a:rPr lang="nl-BE" dirty="0"/>
+              <a:t> </a:t>
+            </a:r>
+            <a:r>
+              <a:rPr lang="nl-BE" dirty="0" err="1"/>
+              <a:t>it</a:t>
+            </a:r>
+            <a:r>
+              <a:rPr lang="nl-BE" dirty="0"/>
+              <a:t> is.</a:t>
             </a:r>
           </a:p>
         </p:txBody>
@@ -790,7 +856,7 @@
             </a:pPr>
             <a:r>
               <a:rPr lang="en-US" dirty="0"/>
-              <a:t>Normality: DBP difference is normally distributed. DBP measure aren’t (except the final one – which cannot be trusted due to the discrepancy with other DBP measures). Age isn’t normally distributed, weight is.</a:t>
+              <a:t>Normality: DBP difference is normally distributed (per group).</a:t>
             </a:r>
           </a:p>
           <a:p>
@@ -819,6 +885,20 @@
             <a:r>
               <a:rPr lang="en-US" dirty="0"/>
               <a:t> treatment group.</a:t>
+            </a:r>
+          </a:p>
+          <a:p>
+            <a:pPr marL="171450" indent="-171450">
+              <a:buFontTx/>
+              <a:buChar char="-"/>
+            </a:pPr>
+            <a:r>
+              <a:rPr lang="en-US" dirty="0" err="1"/>
+              <a:t>Homogenity</a:t>
+            </a:r>
+            <a:r>
+              <a:rPr lang="en-US" dirty="0"/>
+              <a:t> of variances: F test -&gt; comparable variances</a:t>
             </a:r>
           </a:p>
           <a:p>
@@ -920,28 +1000,6 @@
           <a:bodyPr/>
           <a:lstStyle/>
           <a:p>
-            <a:r>
-              <a:rPr lang="nl-BE" dirty="0"/>
-              <a:t>Question</a:t>
-            </a:r>
-            <a:r>
-              <a:rPr lang="nl-BE" baseline="0" dirty="0"/>
-              <a:t> 4</a:t>
-            </a:r>
-          </a:p>
-          <a:p>
-            <a:r>
-              <a:rPr lang="nl-BE" baseline="0" dirty="0"/>
-              <a:t>Voor de drie variabelen zijn er geen </a:t>
-            </a:r>
-            <a:r>
-              <a:rPr lang="nl-BE" baseline="0" dirty="0" err="1"/>
-              <a:t>missings</a:t>
-            </a:r>
-            <a:r>
-              <a:rPr lang="nl-BE" baseline="0" dirty="0"/>
-              <a:t> </a:t>
-            </a:r>
             <a:endParaRPr lang="nl-BE" dirty="0"/>
           </a:p>
         </p:txBody>
@@ -3951,17 +4009,9 @@
               <a:rPr lang="en-US" sz="6000" u="none" dirty="0" err="1"/>
               <a:t>prinstat</a:t>
             </a:r>
-            <a:r>
-              <a:rPr lang="en-US" sz="6000" u="none" dirty="0"/>
-              <a:t/>
-            </a:r>
             <a:br>
               <a:rPr lang="en-US" sz="6000" u="none" dirty="0"/>
             </a:br>
-            <a:r>
-              <a:rPr lang="en-US" sz="6000" u="none" dirty="0"/>
-              <a:t/>
-            </a:r>
             <a:br>
               <a:rPr lang="en-US" sz="6000" u="none" dirty="0"/>
             </a:br>
@@ -4094,12 +4144,8 @@
               <a:buChar char="•"/>
             </a:pPr>
             <a:r>
-              <a:rPr lang="en-US" sz="3600" dirty="0" smtClean="0"/>
-              <a:t>Simulation </a:t>
-            </a:r>
-            <a:r>
               <a:rPr lang="en-US" sz="3600" dirty="0"/>
-              <a:t>of the ANOVA test</a:t>
+              <a:t>Simulation of the ANOVA test</a:t>
             </a:r>
           </a:p>
           <a:p>
@@ -4138,7 +4184,7 @@
               <a:buFont typeface="Arial" panose="020B0604020202020204" pitchFamily="34" charset="0"/>
               <a:buChar char="•"/>
             </a:pPr>
-            <a:endParaRPr lang="en-US" sz="3600" dirty="0" smtClean="0"/>
+            <a:endParaRPr lang="en-US" sz="3600" dirty="0"/>
           </a:p>
           <a:p>
             <a:pPr>
@@ -4146,7 +4192,7 @@
               <a:buChar char="•"/>
             </a:pPr>
             <a:r>
-              <a:rPr lang="en-US" sz="3600" dirty="0" smtClean="0"/>
+              <a:rPr lang="en-US" sz="3600" dirty="0"/>
               <a:t>P-value of the interaction term calculated for 10 000 samples</a:t>
             </a:r>
           </a:p>
@@ -4155,7 +4201,7 @@
               <a:buFont typeface="Arial" panose="020B0604020202020204" pitchFamily="34" charset="0"/>
               <a:buChar char="•"/>
             </a:pPr>
-            <a:endParaRPr lang="en-US" sz="3600" dirty="0" smtClean="0"/>
+            <a:endParaRPr lang="en-US" sz="3600" dirty="0"/>
           </a:p>
           <a:p>
             <a:pPr>
@@ -4163,7 +4209,7 @@
               <a:buChar char="•"/>
             </a:pPr>
             <a:r>
-              <a:rPr lang="en-US" sz="3600" dirty="0" smtClean="0"/>
+              <a:rPr lang="en-US" sz="3600" dirty="0"/>
               <a:t>13% of the P-values &lt; 0.05</a:t>
             </a:r>
           </a:p>
@@ -4174,11 +4220,7 @@
             </a:pPr>
             <a:r>
               <a:rPr lang="en-US" sz="3600" dirty="0"/>
-              <a:t>	</a:t>
-            </a:r>
-            <a:r>
-              <a:rPr lang="en-US" sz="3600" dirty="0" smtClean="0"/>
-              <a:t>	Power: 13%</a:t>
+              <a:t>		Power: 13%</a:t>
             </a:r>
           </a:p>
         </p:txBody>
@@ -4308,14 +4350,10 @@
             </a:pPr>
             <a:r>
               <a:rPr lang="en-US" sz="3600" dirty="0"/>
-              <a:t>80 % </a:t>
-            </a:r>
-            <a:r>
-              <a:rPr lang="en-US" sz="3600" dirty="0" smtClean="0"/>
-              <a:t>cut-off</a:t>
-            </a:r>
-            <a:r>
-              <a:rPr lang="en-US" sz="3600" baseline="30000" dirty="0" smtClean="0"/>
+              <a:t>80 % cut-off</a:t>
+            </a:r>
+            <a:r>
+              <a:rPr lang="en-US" sz="3600" baseline="30000" dirty="0"/>
               <a:t>1</a:t>
             </a:r>
           </a:p>
@@ -4325,7 +4363,7 @@
               <a:buChar char="Ø"/>
             </a:pPr>
             <a:r>
-              <a:rPr lang="en-US" sz="3600" dirty="0" smtClean="0"/>
+              <a:rPr lang="en-US" sz="3600" dirty="0"/>
               <a:t>29 observations removed</a:t>
             </a:r>
           </a:p>
@@ -4335,12 +4373,8 @@
               <a:buChar char="Ø"/>
             </a:pPr>
             <a:r>
-              <a:rPr lang="en-US" sz="3600" dirty="0" smtClean="0"/>
-              <a:t>Selection </a:t>
-            </a:r>
-            <a:r>
               <a:rPr lang="en-US" sz="3600" dirty="0"/>
-              <a:t>bias</a:t>
+              <a:t>Selection bias</a:t>
             </a:r>
           </a:p>
           <a:p>
@@ -4385,11 +4419,11 @@
               </a:lnSpc>
             </a:pPr>
             <a:r>
-              <a:rPr lang="en-US" sz="2800" baseline="30000" dirty="0" smtClean="0"/>
+              <a:rPr lang="en-US" sz="2800" baseline="30000" dirty="0"/>
               <a:t>1</a:t>
             </a:r>
             <a:r>
-              <a:rPr lang="en-US" sz="2500" dirty="0" smtClean="0"/>
+              <a:rPr lang="en-US" sz="2500" dirty="0"/>
               <a:t> </a:t>
             </a:r>
             <a:r>
@@ -4576,7 +4610,7 @@
             </a:pPr>
             <a:r>
               <a:rPr lang="nl-BE" sz="4000" dirty="0"/>
-              <a:t>Gender </a:t>
+              <a:t>Gender: </a:t>
             </a:r>
             <a:r>
               <a:rPr lang="nl-BE" sz="4000" dirty="0" err="1"/>
@@ -4595,7 +4629,7 @@
             </a:r>
             <a:r>
               <a:rPr lang="nl-BE" sz="4000" dirty="0"/>
-              <a:t> </a:t>
+              <a:t>: </a:t>
             </a:r>
             <a:r>
               <a:rPr lang="nl-BE" sz="4000" dirty="0" err="1"/>
@@ -4609,11 +4643,11 @@
               <a:buChar char="•"/>
             </a:pPr>
             <a:r>
-              <a:rPr lang="nl-BE" sz="4000" dirty="0" smtClean="0"/>
+              <a:rPr lang="nl-BE" sz="4000" dirty="0"/>
               <a:t>Advanced </a:t>
             </a:r>
             <a:r>
-              <a:rPr lang="nl-BE" sz="4000" dirty="0" err="1" smtClean="0"/>
+              <a:rPr lang="nl-BE" sz="4000" dirty="0" err="1"/>
               <a:t>age</a:t>
             </a:r>
             <a:endParaRPr lang="nl-BE" sz="4000" dirty="0"/>
@@ -4687,10 +4721,10 @@
       </p:sp>
       <p:pic>
         <p:nvPicPr>
-          <p:cNvPr id="6" name="Picture 5">
+          <p:cNvPr id="7" name="Picture 6">
             <a:extLst>
               <a:ext uri="{FF2B5EF4-FFF2-40B4-BE49-F238E27FC236}">
-                <a16:creationId xmlns:a16="http://schemas.microsoft.com/office/drawing/2014/main" id="{E4251C08-CC44-4598-95F4-DF4B599380B8}"/>
+                <a16:creationId xmlns:a16="http://schemas.microsoft.com/office/drawing/2014/main" id="{79B2E485-7F21-443E-9877-0087B07812B2}"/>
               </a:ext>
             </a:extLst>
           </p:cNvPr>
@@ -4707,38 +4741,8 @@
         </p:blipFill>
         <p:spPr>
           <a:xfrm>
-            <a:off x="18449024" y="2190096"/>
-            <a:ext cx="9738360" cy="5562600"/>
-          </a:xfrm>
-          <a:prstGeom prst="rect">
-            <a:avLst/>
-          </a:prstGeom>
-        </p:spPr>
-      </p:pic>
-      <p:pic>
-        <p:nvPicPr>
-          <p:cNvPr id="2" name="Picture 1">
-            <a:extLst>
-              <a:ext uri="{FF2B5EF4-FFF2-40B4-BE49-F238E27FC236}">
-                <a16:creationId xmlns:a16="http://schemas.microsoft.com/office/drawing/2014/main" id="{8CD2C4AA-50BE-4F03-B205-B87553339697}"/>
-              </a:ext>
-            </a:extLst>
-          </p:cNvPr>
-          <p:cNvPicPr>
-            <a:picLocks noChangeAspect="1"/>
-          </p:cNvPicPr>
-          <p:nvPr/>
-        </p:nvPicPr>
-        <p:blipFill>
-          <a:blip r:embed="rId4"/>
-          <a:stretch>
-            <a:fillRect/>
-          </a:stretch>
-        </p:blipFill>
-        <p:spPr>
-          <a:xfrm>
-            <a:off x="7392796" y="1858434"/>
-            <a:ext cx="9669780" cy="6309360"/>
+            <a:off x="7268496" y="1888057"/>
+            <a:ext cx="9995535" cy="6275070"/>
           </a:xfrm>
           <a:prstGeom prst="rect">
             <a:avLst/>
@@ -4748,7 +4752,7 @@
     </p:spTree>
     <p:extLst>
       <p:ext uri="{BB962C8B-B14F-4D97-AF65-F5344CB8AC3E}">
-        <p14:creationId xmlns:p14="http://schemas.microsoft.com/office/powerpoint/2010/main" val="456255502"/>
+        <p14:creationId xmlns:p14="http://schemas.microsoft.com/office/powerpoint/2010/main" val="2385474488"/>
       </p:ext>
     </p:extLst>
   </p:cSld>
@@ -4990,7 +4994,7 @@
         </p:blipFill>
         <p:spPr bwMode="auto">
           <a:xfrm>
-            <a:off x="3666852" y="3889829"/>
+            <a:off x="3666852" y="3871168"/>
             <a:ext cx="994475" cy="899885"/>
           </a:xfrm>
           <a:prstGeom prst="rect">
@@ -5098,36 +5102,6 @@
           </a:extLst>
         </p:spPr>
       </p:pic>
-      <p:pic>
-        <p:nvPicPr>
-          <p:cNvPr id="5" name="Picture 4">
-            <a:extLst>
-              <a:ext uri="{FF2B5EF4-FFF2-40B4-BE49-F238E27FC236}">
-                <a16:creationId xmlns:a16="http://schemas.microsoft.com/office/drawing/2014/main" id="{91FE1F6C-E0B8-43EE-9EA3-9CD95436EE25}"/>
-              </a:ext>
-            </a:extLst>
-          </p:cNvPr>
-          <p:cNvPicPr>
-            <a:picLocks noChangeAspect="1"/>
-          </p:cNvPicPr>
-          <p:nvPr/>
-        </p:nvPicPr>
-        <p:blipFill>
-          <a:blip r:embed="rId4"/>
-          <a:stretch>
-            <a:fillRect/>
-          </a:stretch>
-        </p:blipFill>
-        <p:spPr>
-          <a:xfrm>
-            <a:off x="9712943" y="1071813"/>
-            <a:ext cx="7912905" cy="4883393"/>
-          </a:xfrm>
-          <a:prstGeom prst="rect">
-            <a:avLst/>
-          </a:prstGeom>
-        </p:spPr>
-      </p:pic>
       <p:sp>
         <p:nvSpPr>
           <p:cNvPr id="7" name="Oval 6">
@@ -5186,68 +5160,85 @@
           </a:p>
         </p:txBody>
       </p:sp>
-      <p:sp>
-        <p:nvSpPr>
-          <p:cNvPr id="17" name="Oval 16">
+      <p:pic>
+        <p:nvPicPr>
+          <p:cNvPr id="13" name="Picture 2" descr="https://us.123rf.com/450wm/alonastep/alonastep1703/alonastep170300170/73497077-tick-and-cross-signs-green-checkmark-ok-and-red-x-icons-isolated-on-white-background-simple-marks-gr.jpg?ver=6">
             <a:extLst>
               <a:ext uri="{FF2B5EF4-FFF2-40B4-BE49-F238E27FC236}">
-                <a16:creationId xmlns:a16="http://schemas.microsoft.com/office/drawing/2014/main" id="{9D8BB08B-DAD1-417C-8B89-94E1F39C8948}"/>
+                <a16:creationId xmlns:a16="http://schemas.microsoft.com/office/drawing/2014/main" id="{B36CC0D5-9933-4072-9B23-5A957F824FA2}"/>
               </a:ext>
             </a:extLst>
           </p:cNvPr>
-          <p:cNvSpPr/>
+          <p:cNvPicPr>
+            <a:picLocks noChangeAspect="1" noChangeArrowheads="1"/>
+          </p:cNvPicPr>
           <p:nvPr/>
-        </p:nvSpPr>
+        </p:nvPicPr>
+        <p:blipFill rotWithShape="1">
+          <a:blip r:embed="rId3">
+            <a:extLst>
+              <a:ext uri="{28A0092B-C50C-407E-A947-70E740481C1C}">
+                <a14:useLocalDpi xmlns:a14="http://schemas.microsoft.com/office/drawing/2010/main" val="0"/>
+              </a:ext>
+            </a:extLst>
+          </a:blip>
+          <a:srcRect l="-1" t="16410" r="49048" b="16660"/>
+          <a:stretch/>
+        </p:blipFill>
+        <p:spPr bwMode="auto">
+          <a:xfrm>
+            <a:off x="4015026" y="2119193"/>
+            <a:ext cx="994475" cy="870857"/>
+          </a:xfrm>
+          <a:prstGeom prst="rect">
+            <a:avLst/>
+          </a:prstGeom>
+          <a:noFill/>
+          <a:extLst>
+            <a:ext uri="{909E8E84-426E-40DD-AFC4-6F175D3DCCD1}">
+              <a14:hiddenFill xmlns:a14="http://schemas.microsoft.com/office/drawing/2010/main">
+                <a:solidFill>
+                  <a:srgbClr val="FFFFFF"/>
+                </a:solidFill>
+              </a14:hiddenFill>
+            </a:ext>
+          </a:extLst>
+        </p:spPr>
+      </p:pic>
+      <p:pic>
+        <p:nvPicPr>
+          <p:cNvPr id="9" name="Picture 8">
+            <a:extLst>
+              <a:ext uri="{FF2B5EF4-FFF2-40B4-BE49-F238E27FC236}">
+                <a16:creationId xmlns:a16="http://schemas.microsoft.com/office/drawing/2014/main" id="{9714D71E-3A9F-4DD0-9F8E-B0AE53E1F8F9}"/>
+              </a:ext>
+            </a:extLst>
+          </p:cNvPr>
+          <p:cNvPicPr>
+            <a:picLocks noChangeAspect="1"/>
+          </p:cNvPicPr>
+          <p:nvPr/>
+        </p:nvPicPr>
+        <p:blipFill>
+          <a:blip r:embed="rId4"/>
+          <a:stretch>
+            <a:fillRect/>
+          </a:stretch>
+        </p:blipFill>
         <p:spPr>
           <a:xfrm>
-            <a:off x="4216389" y="2190879"/>
-            <a:ext cx="795280" cy="795280"/>
+            <a:off x="10325509" y="199624"/>
+            <a:ext cx="5485714" cy="9142858"/>
           </a:xfrm>
-          <a:prstGeom prst="ellipse">
+          <a:prstGeom prst="rect">
             <a:avLst/>
           </a:prstGeom>
-          <a:solidFill>
-            <a:schemeClr val="accent6">
-              <a:lumMod val="60000"/>
-              <a:lumOff val="40000"/>
-            </a:schemeClr>
-          </a:solidFill>
-          <a:ln w="31750">
-            <a:noFill/>
-          </a:ln>
         </p:spPr>
-        <p:style>
-          <a:lnRef idx="2">
-            <a:schemeClr val="accent1">
-              <a:shade val="50000"/>
-            </a:schemeClr>
-          </a:lnRef>
-          <a:fillRef idx="1">
-            <a:schemeClr val="accent1"/>
-          </a:fillRef>
-          <a:effectRef idx="0">
-            <a:schemeClr val="accent1"/>
-          </a:effectRef>
-          <a:fontRef idx="minor">
-            <a:schemeClr val="lt1"/>
-          </a:fontRef>
-        </p:style>
-        <p:txBody>
-          <a:bodyPr rtlCol="0" anchor="ctr"/>
-          <a:lstStyle/>
-          <a:p>
-            <a:pPr algn="ctr"/>
-            <a:r>
-              <a:rPr lang="en-US" sz="8000" b="1" dirty="0"/>
-              <a:t>~</a:t>
-            </a:r>
-          </a:p>
-        </p:txBody>
-      </p:sp>
+      </p:pic>
     </p:spTree>
     <p:extLst>
       <p:ext uri="{BB962C8B-B14F-4D97-AF65-F5344CB8AC3E}">
-        <p14:creationId xmlns:p14="http://schemas.microsoft.com/office/powerpoint/2010/main" val="3088297898"/>
+        <p14:creationId xmlns:p14="http://schemas.microsoft.com/office/powerpoint/2010/main" val="3137235709"/>
       </p:ext>
     </p:extLst>
   </p:cSld>
@@ -5365,7 +5356,7 @@
     </p:spTree>
     <p:extLst>
       <p:ext uri="{BB962C8B-B14F-4D97-AF65-F5344CB8AC3E}">
-        <p14:creationId xmlns:p14="http://schemas.microsoft.com/office/powerpoint/2010/main" val="2493860721"/>
+        <p14:creationId xmlns:p14="http://schemas.microsoft.com/office/powerpoint/2010/main" val="3668585499"/>
       </p:ext>
     </p:extLst>
   </p:cSld>
@@ -5473,54 +5464,22 @@
             </a:pPr>
             <a:r>
               <a:rPr lang="en-US" sz="4000" dirty="0"/>
-              <a:t>CI: </a:t>
-            </a:r>
-            <a:r>
-              <a:rPr lang="en-US" sz="4000" dirty="0" smtClean="0"/>
-              <a:t>6.0</a:t>
-            </a:r>
-            <a:r>
-              <a:rPr lang="en-US" sz="4000" dirty="0" smtClean="0"/>
-              <a:t> </a:t>
-            </a:r>
+              <a:t>CI: 6.0 to </a:t>
+            </a:r>
+            <a:r>
+              <a:rPr lang="nl-BE" dirty="0"/>
+              <a:t>∞</a:t>
+            </a:r>
+            <a:endParaRPr lang="en-US" sz="4000" dirty="0"/>
+          </a:p>
+          <a:p>
+            <a:pPr>
+              <a:buFont typeface="Arial" panose="020B0604020202020204" pitchFamily="34" charset="0"/>
+              <a:buChar char="•"/>
+            </a:pPr>
             <a:r>
               <a:rPr lang="en-US" sz="4000" dirty="0"/>
-              <a:t>to </a:t>
-            </a:r>
-            <a:r>
-              <a:rPr lang="nl-BE" dirty="0" smtClean="0"/>
-              <a:t>∞</a:t>
-            </a:r>
-            <a:endParaRPr lang="en-US" sz="4000" dirty="0" smtClean="0"/>
-          </a:p>
-          <a:p>
-            <a:pPr>
-              <a:buFont typeface="Arial" panose="020B0604020202020204" pitchFamily="34" charset="0"/>
-              <a:buChar char="•"/>
-            </a:pPr>
-            <a:r>
-              <a:rPr lang="en-US" sz="4000" dirty="0" smtClean="0"/>
-              <a:t>P-value</a:t>
-            </a:r>
-            <a:r>
-              <a:rPr lang="en-US" sz="4000" dirty="0"/>
-              <a:t>: </a:t>
-            </a:r>
-            <a:r>
-              <a:rPr lang="en-US" sz="4000" dirty="0" smtClean="0"/>
-              <a:t>2</a:t>
-            </a:r>
-            <a:r>
-              <a:rPr lang="en-US" sz="4000" dirty="0" smtClean="0"/>
-              <a:t>.4</a:t>
-            </a:r>
-            <a:r>
-              <a:rPr lang="en-US" sz="4000" dirty="0" smtClean="0"/>
-              <a:t> </a:t>
-            </a:r>
-            <a:r>
-              <a:rPr lang="en-US" sz="4000" dirty="0"/>
-              <a:t>x 10-5</a:t>
+              <a:t>P-value: 2.4 x 10-5</a:t>
             </a:r>
           </a:p>
           <a:p>
@@ -5785,7 +5744,6 @@
               <a:rPr lang="en-US" sz="4000" dirty="0"/>
               <a:t>Variances are comparable </a:t>
             </a:r>
-            <a:endParaRPr lang="en-US" sz="4000" dirty="0" smtClean="0"/>
           </a:p>
           <a:p>
             <a:pPr>
@@ -5793,19 +5751,11 @@
               <a:buChar char="•"/>
             </a:pPr>
             <a:r>
-              <a:rPr lang="en-US" sz="4000" dirty="0" smtClean="0"/>
-              <a:t>CI</a:t>
-            </a:r>
-            <a:r>
               <a:rPr lang="en-US" sz="4000" dirty="0"/>
-              <a:t>: </a:t>
-            </a:r>
-            <a:r>
-              <a:rPr lang="en-US" sz="4000" dirty="0" smtClean="0"/>
-              <a:t>6.6 to </a:t>
-            </a:r>
-            <a:r>
-              <a:rPr lang="nl-BE" dirty="0" smtClean="0"/>
+              <a:t>CI: 6.6 to </a:t>
+            </a:r>
+            <a:r>
+              <a:rPr lang="nl-BE" dirty="0"/>
               <a:t>∞</a:t>
             </a:r>
             <a:endParaRPr lang="en-US" sz="4000" dirty="0"/>
@@ -5817,23 +5767,7 @@
             </a:pPr>
             <a:r>
               <a:rPr lang="en-US" sz="4000" dirty="0"/>
-              <a:t>P-value: </a:t>
-            </a:r>
-            <a:r>
-              <a:rPr lang="en-US" sz="4000" dirty="0" smtClean="0"/>
-              <a:t>1</a:t>
-            </a:r>
-            <a:r>
-              <a:rPr lang="en-US" sz="4000" dirty="0" smtClean="0"/>
-              <a:t>.5</a:t>
-            </a:r>
-            <a:r>
-              <a:rPr lang="en-US" sz="4000" dirty="0" smtClean="0"/>
-              <a:t> </a:t>
-            </a:r>
-            <a:r>
-              <a:rPr lang="en-US" sz="4000" dirty="0"/>
-              <a:t>x 10-5</a:t>
+              <a:t>P-value: 1.5 x 10-5</a:t>
             </a:r>
           </a:p>
           <a:p>
@@ -5859,14 +5793,10 @@
             </a:r>
             <a:r>
               <a:rPr lang="en-US" sz="4000" dirty="0"/>
-              <a:t> = </a:t>
-            </a:r>
-            <a:r>
-              <a:rPr lang="en-US" sz="4000" dirty="0" smtClean="0"/>
-              <a:t>μ</a:t>
-            </a:r>
-            <a:r>
-              <a:rPr lang="en-US" sz="4000" baseline="-25000" dirty="0" smtClean="0"/>
+              <a:t> = μ</a:t>
+            </a:r>
+            <a:r>
+              <a:rPr lang="en-US" sz="4000" baseline="-25000" dirty="0"/>
               <a:t>p</a:t>
             </a:r>
             <a:r>
@@ -6245,15 +6175,7 @@
             </a:pPr>
             <a:r>
               <a:rPr lang="en-US" sz="3200" dirty="0"/>
-              <a:t>Create own distribution: assign all the observed values randomly to 2 even groups. Simulate </a:t>
-            </a:r>
-            <a:r>
-              <a:rPr lang="en-US" sz="3200" dirty="0" smtClean="0"/>
-              <a:t>10 000 </a:t>
-            </a:r>
-            <a:r>
-              <a:rPr lang="en-US" sz="3200" dirty="0"/>
-              <a:t>times</a:t>
+              <a:t>Create own distribution: assign all the observed values randomly to 2 even groups. Simulate 10 000 times</a:t>
             </a:r>
           </a:p>
           <a:p>
@@ -6283,15 +6205,7 @@
             </a:pPr>
             <a:r>
               <a:rPr lang="en-US" sz="3200" dirty="0"/>
-              <a:t>Observed proportional difference in 0 distribution only </a:t>
-            </a:r>
-            <a:r>
-              <a:rPr lang="en-US" sz="3200" dirty="0" smtClean="0"/>
-              <a:t>1.49</a:t>
-            </a:r>
-            <a:r>
-              <a:rPr lang="en-US" sz="3200" dirty="0"/>
-              <a:t>% likely</a:t>
+              <a:t>Observed proportional difference in 0 distribution only 1.49% likely</a:t>
             </a:r>
           </a:p>
           <a:p>
@@ -6721,14 +6635,10 @@
           <a:p>
             <a:r>
               <a:rPr lang="en-US" sz="3200" i="1" dirty="0"/>
-              <a:t>Caveat: test of (dbp5-dbp3</a:t>
-            </a:r>
-            <a:r>
-              <a:rPr lang="en-US" sz="3200" i="1" dirty="0" smtClean="0"/>
-              <a:t>)&lt;  </a:t>
-            </a:r>
-            <a:r>
-              <a:rPr lang="en-US" sz="3200" b="1" i="1" dirty="0" smtClean="0"/>
+              <a:t>Caveat: test of (dbp5-dbp3)&lt;  </a:t>
+            </a:r>
+            <a:r>
+              <a:rPr lang="en-US" sz="3200" b="1" i="1" dirty="0"/>
               <a:t>-</a:t>
             </a:r>
             <a:r>
@@ -6873,12 +6783,8 @@
               <a:buChar char="•"/>
             </a:pPr>
             <a:r>
-              <a:rPr lang="en-US" sz="3600" dirty="0" smtClean="0"/>
-              <a:t>Blood </a:t>
-            </a:r>
-            <a:r>
               <a:rPr lang="en-US" sz="3600" dirty="0"/>
-              <a:t>pressure decreased, but only mildly</a:t>
+              <a:t>Blood pressure decreased, but only mildly</a:t>
             </a:r>
           </a:p>
           <a:p>
@@ -6887,7 +6793,7 @@
               <a:buChar char="Ø"/>
             </a:pPr>
             <a:r>
-              <a:rPr lang="en-US" sz="3600" dirty="0" smtClean="0"/>
+              <a:rPr lang="en-US" sz="3600" dirty="0"/>
               <a:t>Is the decrease significant?</a:t>
             </a:r>
           </a:p>
@@ -6904,10 +6810,9 @@
               <a:buChar char="•"/>
             </a:pPr>
             <a:r>
-              <a:rPr lang="en-US" sz="3600" dirty="0" smtClean="0"/>
+              <a:rPr lang="en-US" sz="3600" dirty="0"/>
               <a:t>One-sample T-test to test the significance</a:t>
             </a:r>
-            <a:endParaRPr lang="en-US" sz="3600" dirty="0"/>
           </a:p>
           <a:p>
             <a:pPr marL="1665288" lvl="1" indent="-944563">
@@ -6924,18 +6829,14 @@
             </a:r>
             <a:r>
               <a:rPr lang="en-US" sz="3600" dirty="0"/>
-              <a:t>: </a:t>
-            </a:r>
-            <a:r>
-              <a:rPr lang="en-US" sz="3600" dirty="0" smtClean="0"/>
-              <a:t> μ</a:t>
-            </a:r>
-            <a:r>
-              <a:rPr lang="en-US" sz="3600" baseline="-25000" dirty="0" smtClean="0"/>
+              <a:t>:  μ</a:t>
+            </a:r>
+            <a:r>
+              <a:rPr lang="en-US" sz="3600" baseline="-25000" dirty="0"/>
               <a:t>placebo</a:t>
             </a:r>
             <a:r>
-              <a:rPr lang="en-US" sz="3600" dirty="0" smtClean="0"/>
+              <a:rPr lang="en-US" sz="3600" dirty="0"/>
               <a:t> = 0</a:t>
             </a:r>
           </a:p>
@@ -6945,7 +6846,7 @@
               <a:buChar char="Ø"/>
             </a:pPr>
             <a:r>
-              <a:rPr lang="en-US" sz="3600" dirty="0" smtClean="0"/>
+              <a:rPr lang="en-US" sz="3600" dirty="0"/>
               <a:t>CI: -5.3 to 1.2</a:t>
             </a:r>
           </a:p>
@@ -6955,10 +6856,9 @@
               <a:buChar char="Ø"/>
             </a:pPr>
             <a:r>
-              <a:rPr lang="en-US" sz="3600" dirty="0" smtClean="0"/>
+              <a:rPr lang="en-US" sz="3600" dirty="0"/>
               <a:t>P-value: 0.20</a:t>
             </a:r>
-            <a:endParaRPr lang="en-US" sz="3600" dirty="0"/>
           </a:p>
           <a:p>
             <a:pPr marL="86400" indent="0">
@@ -6980,12 +6880,8 @@
               <a:t>0</a:t>
             </a:r>
             <a:r>
-              <a:rPr lang="en-US" sz="3600" dirty="0" smtClean="0"/>
-              <a:t> cannot </a:t>
-            </a:r>
-            <a:r>
               <a:rPr lang="en-US" sz="3600" dirty="0"/>
-              <a:t>be rejected</a:t>
+              <a:t> cannot be rejected</a:t>
             </a:r>
           </a:p>
         </p:txBody>
@@ -7086,7 +6982,7 @@
               <a:buChar char="•"/>
             </a:pPr>
             <a:r>
-              <a:rPr lang="en-US" sz="3600" dirty="0" smtClean="0"/>
+              <a:rPr lang="en-US" sz="3600" dirty="0"/>
               <a:t>Two-way ANOVA of blood pressure evolution</a:t>
             </a:r>
           </a:p>
@@ -7096,7 +6992,7 @@
               <a:buChar char="Ø"/>
             </a:pPr>
             <a:r>
-              <a:rPr lang="en-US" sz="3600" dirty="0" smtClean="0"/>
+              <a:rPr lang="en-US" sz="3600" dirty="0"/>
               <a:t>Factor 1: treatment</a:t>
             </a:r>
           </a:p>
@@ -7106,7 +7002,7 @@
               <a:buChar char="Ø"/>
             </a:pPr>
             <a:r>
-              <a:rPr lang="en-US" sz="3600" dirty="0" smtClean="0"/>
+              <a:rPr lang="en-US" sz="3600" dirty="0"/>
               <a:t>Factor 2: gender</a:t>
             </a:r>
           </a:p>
@@ -7115,7 +7011,7 @@
               <a:buFont typeface="Arial" panose="020B0604020202020204" pitchFamily="34" charset="0"/>
               <a:buChar char="•"/>
             </a:pPr>
-            <a:endParaRPr lang="en-US" sz="3600" dirty="0" smtClean="0"/>
+            <a:endParaRPr lang="en-US" sz="3600" dirty="0"/>
           </a:p>
           <a:p>
             <a:pPr>
@@ -7123,21 +7019,13 @@
               <a:buChar char="•"/>
             </a:pPr>
             <a:r>
-              <a:rPr lang="en-US" sz="3600" dirty="0" smtClean="0"/>
-              <a:t>Difference dependent on gender </a:t>
-            </a:r>
-            <a:r>
               <a:rPr lang="en-US" sz="3600" dirty="0"/>
-              <a:t>= significant </a:t>
-            </a:r>
-            <a:r>
-              <a:rPr lang="en-US" sz="3600" dirty="0" smtClean="0"/>
-              <a:t>interaction</a:t>
+              <a:t>Difference dependent on gender = significant interaction</a:t>
             </a:r>
             <a:br>
-              <a:rPr lang="en-US" sz="3600" dirty="0" smtClean="0"/>
+              <a:rPr lang="en-US" sz="3600" dirty="0"/>
             </a:br>
-            <a:endParaRPr lang="en-US" sz="3600" dirty="0" smtClean="0"/>
+            <a:endParaRPr lang="en-US" sz="3600" dirty="0"/>
           </a:p>
           <a:p>
             <a:pPr>
@@ -7145,10 +7033,9 @@
               <a:buChar char="•"/>
             </a:pPr>
             <a:r>
-              <a:rPr lang="en-US" sz="3600" dirty="0" smtClean="0"/>
+              <a:rPr lang="en-US" sz="3600" dirty="0"/>
               <a:t>Interaction term</a:t>
             </a:r>
-            <a:endParaRPr lang="en-US" sz="3600" dirty="0"/>
           </a:p>
           <a:p>
             <a:pPr marL="1665288" lvl="1" indent="-944563">
@@ -7156,15 +7043,15 @@
               <a:buChar char="Ø"/>
             </a:pPr>
             <a:r>
-              <a:rPr lang="en-US" sz="3600" dirty="0" smtClean="0"/>
+              <a:rPr lang="en-US" sz="3600" dirty="0"/>
               <a:t>H</a:t>
             </a:r>
             <a:r>
-              <a:rPr lang="en-US" sz="3600" baseline="-25000" dirty="0" smtClean="0"/>
+              <a:rPr lang="en-US" sz="3600" baseline="-25000" dirty="0"/>
               <a:t>0</a:t>
             </a:r>
             <a:r>
-              <a:rPr lang="en-US" sz="3600" dirty="0" smtClean="0"/>
+              <a:rPr lang="en-US" sz="3600" dirty="0"/>
               <a:t>: no interaction</a:t>
             </a:r>
           </a:p>
@@ -7184,15 +7071,15 @@
               <a:buChar char="Ø"/>
             </a:pPr>
             <a:r>
-              <a:rPr lang="en-US" sz="3600" dirty="0" smtClean="0"/>
+              <a:rPr lang="en-US" sz="3600" dirty="0"/>
               <a:t>H</a:t>
             </a:r>
             <a:r>
-              <a:rPr lang="en-US" sz="3600" baseline="-25000" dirty="0" smtClean="0"/>
+              <a:rPr lang="en-US" sz="3600" baseline="-25000" dirty="0"/>
               <a:t>0</a:t>
             </a:r>
             <a:r>
-              <a:rPr lang="en-US" sz="3600" dirty="0" smtClean="0"/>
+              <a:rPr lang="en-US" sz="3600" dirty="0"/>
               <a:t> cannot be rejected</a:t>
             </a:r>
           </a:p>
